--- a/atlas/Freq_CO.pptx
+++ b/atlas/Freq_CO.pptx
@@ -3774,13 +3774,13 @@
           <p:nvPr>
             <p:extLst>
               <p:ext uri="{D42A27DB-BD31-4B8C-83A1-F6EECF244321}">
-                <p14:modId xmlns:p14="http://schemas.microsoft.com/office/powerpoint/2010/main" val="636956042"/>
+                <p14:modId xmlns:p14="http://schemas.microsoft.com/office/powerpoint/2010/main" val="2015557323"/>
               </p:ext>
             </p:extLst>
           </p:nvPr>
         </p:nvGraphicFramePr>
         <p:xfrm>
-          <a:off x="0" y="12497"/>
+          <a:off x="-33453" y="12497"/>
           <a:ext cx="9720000" cy="2926079"/>
         </p:xfrm>
         <a:graphic>
@@ -3791,74 +3791,31 @@
       </p:graphicFrame>
       <p:sp>
         <p:nvSpPr>
-          <p:cNvPr id="15" name="TextBox 14"/>
+          <p:cNvPr id="16" name="TextBox 15"/>
           <p:cNvSpPr txBox="1"/>
           <p:nvPr/>
         </p:nvSpPr>
         <p:spPr>
           <a:xfrm>
-            <a:off x="1025139" y="206464"/>
-            <a:ext cx="1207062" cy="584775"/>
+            <a:off x="2647269" y="598910"/>
+            <a:ext cx="1488155" cy="338554"/>
           </a:xfrm>
           <a:prstGeom prst="rect">
             <a:avLst/>
           </a:prstGeom>
-          <a:noFill/>
+          <a:solidFill>
+            <a:schemeClr val="bg1"/>
+          </a:solidFill>
         </p:spPr>
         <p:txBody>
-          <a:bodyPr wrap="none" lIns="0" tIns="0" rIns="0" bIns="0" rtlCol="0" anchor="ctr">
+          <a:bodyPr wrap="none" lIns="36000" tIns="0" rIns="36000" bIns="0" rtlCol="0" anchor="ctr">
             <a:spAutoFit/>
           </a:bodyPr>
           <a:lstStyle/>
           <a:p>
             <a:pPr algn="ctr"/>
             <a:r>
-              <a:rPr lang="en-AU" sz="1900" b="1" dirty="0">
-                <a:solidFill>
-                  <a:schemeClr val="accent2"/>
-                </a:solidFill>
-              </a:rPr>
-              <a:t>Cost</a:t>
-            </a:r>
-          </a:p>
-          <a:p>
-            <a:pPr algn="ctr"/>
-            <a:r>
-              <a:rPr lang="en-AU" sz="1900" b="1" dirty="0">
-                <a:solidFill>
-                  <a:schemeClr val="accent2"/>
-                </a:solidFill>
-              </a:rPr>
-              <a:t>underruns</a:t>
-            </a:r>
-          </a:p>
-        </p:txBody>
-      </p:sp>
-      <p:sp>
-        <p:nvSpPr>
-          <p:cNvPr id="16" name="TextBox 15"/>
-          <p:cNvSpPr txBox="1"/>
-          <p:nvPr/>
-        </p:nvSpPr>
-        <p:spPr>
-          <a:xfrm>
-            <a:off x="2814856" y="352656"/>
-            <a:ext cx="1219886" cy="292388"/>
-          </a:xfrm>
-          <a:prstGeom prst="rect">
-            <a:avLst/>
-          </a:prstGeom>
-          <a:noFill/>
-        </p:spPr>
-        <p:txBody>
-          <a:bodyPr wrap="none" lIns="0" tIns="0" rIns="0" bIns="0" rtlCol="0" anchor="ctr">
-            <a:spAutoFit/>
-          </a:bodyPr>
-          <a:lstStyle/>
-          <a:p>
-            <a:pPr algn="ctr"/>
-            <a:r>
-              <a:rPr lang="en-AU" sz="1900" b="1" dirty="0">
+              <a:rPr lang="en-AU" sz="2200" b="1" dirty="0">
                 <a:solidFill>
                   <a:schemeClr val="accent1"/>
                 </a:solidFill>
@@ -3876,8 +3833,108 @@
         </p:nvSpPr>
         <p:spPr>
           <a:xfrm>
-            <a:off x="6153794" y="352656"/>
-            <a:ext cx="1655903" cy="292388"/>
+            <a:off x="5954147" y="598910"/>
+            <a:ext cx="1988292" cy="338554"/>
+          </a:xfrm>
+          <a:prstGeom prst="rect">
+            <a:avLst/>
+          </a:prstGeom>
+          <a:solidFill>
+            <a:schemeClr val="bg1"/>
+          </a:solidFill>
+        </p:spPr>
+        <p:txBody>
+          <a:bodyPr wrap="none" lIns="36000" tIns="0" rIns="36000" bIns="0" rtlCol="0" anchor="ctr">
+            <a:spAutoFit/>
+          </a:bodyPr>
+          <a:lstStyle/>
+          <a:p>
+            <a:pPr algn="ctr"/>
+            <a:r>
+              <a:rPr lang="en-AU" sz="2200" b="1" dirty="0">
+                <a:solidFill>
+                  <a:schemeClr val="tx2"/>
+                </a:solidFill>
+              </a:rPr>
+              <a:t>Cost overruns</a:t>
+            </a:r>
+          </a:p>
+        </p:txBody>
+      </p:sp>
+      <p:sp>
+        <p:nvSpPr>
+          <p:cNvPr id="2" name="Rectangle 1"/>
+          <p:cNvSpPr/>
+          <p:nvPr/>
+        </p:nvSpPr>
+        <p:spPr bwMode="auto">
+          <a:xfrm>
+            <a:off x="1271181" y="735550"/>
+            <a:ext cx="648072" cy="72008"/>
+          </a:xfrm>
+          <a:prstGeom prst="rect">
+            <a:avLst/>
+          </a:prstGeom>
+          <a:solidFill>
+            <a:schemeClr val="bg1"/>
+          </a:solidFill>
+          <a:ln w="9525" cap="flat" cmpd="sng" algn="ctr">
+            <a:noFill/>
+            <a:prstDash val="solid"/>
+            <a:round/>
+            <a:headEnd type="none" w="med" len="med"/>
+            <a:tailEnd type="none" w="med" len="med"/>
+          </a:ln>
+          <a:effectLst/>
+        </p:spPr>
+        <p:txBody>
+          <a:bodyPr vert="horz" wrap="square" lIns="91440" tIns="45720" rIns="91440" bIns="45720" numCol="1" rtlCol="0" anchor="t" anchorCtr="0" compatLnSpc="1">
+            <a:prstTxWarp prst="textNoShape">
+              <a:avLst/>
+            </a:prstTxWarp>
+          </a:bodyPr>
+          <a:lstStyle/>
+          <a:p>
+            <a:pPr marL="0" marR="0" indent="0" algn="l" defTabSz="914400" rtl="0" eaLnBrk="0" fontAlgn="base" latinLnBrk="0" hangingPunct="0">
+              <a:lnSpc>
+                <a:spcPct val="100000"/>
+              </a:lnSpc>
+              <a:spcBef>
+                <a:spcPct val="0"/>
+              </a:spcBef>
+              <a:spcAft>
+                <a:spcPct val="0"/>
+              </a:spcAft>
+              <a:buClrTx/>
+              <a:buSzTx/>
+              <a:buFontTx/>
+              <a:buNone/>
+              <a:tabLst/>
+            </a:pPr>
+            <a:endParaRPr kumimoji="0" lang="en-AU" sz="2400" b="0" i="0" u="none" strike="noStrike" cap="none" normalizeH="0" baseline="0">
+              <a:ln>
+                <a:noFill/>
+              </a:ln>
+              <a:solidFill>
+                <a:schemeClr val="tx1"/>
+              </a:solidFill>
+              <a:effectLst/>
+              <a:latin typeface="Arial" charset="0"/>
+              <a:ea typeface="ＭＳ Ｐゴシック" pitchFamily="34" charset="-128"/>
+            </a:endParaRPr>
+          </a:p>
+        </p:txBody>
+      </p:sp>
+      <p:sp>
+        <p:nvSpPr>
+          <p:cNvPr id="15" name="TextBox 14"/>
+          <p:cNvSpPr txBox="1"/>
+          <p:nvPr/>
+        </p:nvSpPr>
+        <p:spPr>
+          <a:xfrm>
+            <a:off x="896308" y="429633"/>
+            <a:ext cx="1397819" cy="677108"/>
           </a:xfrm>
           <a:prstGeom prst="rect">
             <a:avLst/>
@@ -3892,12 +3949,23 @@
           <a:p>
             <a:pPr algn="ctr"/>
             <a:r>
-              <a:rPr lang="en-AU" sz="1900" b="1" dirty="0">
+              <a:rPr lang="en-AU" sz="2200" b="1" dirty="0">
                 <a:solidFill>
-                  <a:schemeClr val="tx2"/>
+                  <a:schemeClr val="accent2"/>
                 </a:solidFill>
               </a:rPr>
-              <a:t>Cost overruns</a:t>
+              <a:t>Cost</a:t>
+            </a:r>
+          </a:p>
+          <a:p>
+            <a:pPr algn="ctr"/>
+            <a:r>
+              <a:rPr lang="en-AU" sz="2200" b="1" dirty="0">
+                <a:solidFill>
+                  <a:schemeClr val="accent2"/>
+                </a:solidFill>
+              </a:rPr>
+              <a:t>underruns</a:t>
             </a:r>
           </a:p>
         </p:txBody>
